--- a/Slide/NST_Presentation.pptx
+++ b/Slide/NST_Presentation.pptx
@@ -11,8 +11,9 @@
     <p:sldId id="300" r:id="rId5"/>
     <p:sldId id="330" r:id="rId6"/>
     <p:sldId id="331" r:id="rId7"/>
-    <p:sldId id="321" r:id="rId8"/>
-    <p:sldId id="296" r:id="rId9"/>
+    <p:sldId id="332" r:id="rId8"/>
+    <p:sldId id="321" r:id="rId9"/>
+    <p:sldId id="296" r:id="rId10"/>
   </p:sldIdLst>
   <p:sldSz cx="12192000" cy="6858000"/>
   <p:notesSz cx="6858000" cy="9144000"/>
@@ -50465,14 +50466,7 @@
                 <a:latin typeface="Arial" panose="020B0604020202020204" pitchFamily="34" charset="0"/>
                 <a:cs typeface="Arial" panose="020B0604020202020204" pitchFamily="34" charset="0"/>
               </a:rPr>
-              <a:t>“</a:t>
-            </a:r>
-            <a:r>
-              <a:rPr lang="en-US" sz="2400" dirty="0" smtClean="0">
-                <a:latin typeface="Arial" panose="020B0604020202020204" pitchFamily="34" charset="0"/>
-                <a:cs typeface="Arial" panose="020B0604020202020204" pitchFamily="34" charset="0"/>
-              </a:rPr>
-              <a:t>Monkey Meykon là cái tên mình tự nghĩ sau một hồi đảo chữ cái, nghe cũng khá vần nhỉ”</a:t>
+              <a:t>“Monkey Meykon là cái tên mình tự nghĩ sau một hồi đảo chữ cái, nghe cũng khá vần nhỉ”</a:t>
             </a:r>
             <a:endParaRPr lang="en-US" sz="2400" dirty="0">
               <a:latin typeface="Arial" panose="020B0604020202020204" pitchFamily="34" charset="0"/>
@@ -51148,6 +51142,113 @@
       </p:grpSpPr>
       <p:sp>
         <p:nvSpPr>
+          <p:cNvPr id="4" name="Shape 98"/>
+          <p:cNvSpPr txBox="1">
+            <a:spLocks noGrp="1"/>
+          </p:cNvSpPr>
+          <p:nvPr>
+            <p:ph type="ctrTitle"/>
+          </p:nvPr>
+        </p:nvSpPr>
+        <p:spPr>
+          <a:xfrm>
+            <a:off x="760182" y="2417537"/>
+            <a:ext cx="3897859" cy="1398399"/>
+          </a:xfrm>
+          <a:prstGeom prst="rect">
+            <a:avLst/>
+          </a:prstGeom>
+        </p:spPr>
+        <p:txBody>
+          <a:bodyPr lIns="91425" tIns="91425" rIns="91425" bIns="91425" anchor="b" anchorCtr="0">
+            <a:noAutofit/>
+          </a:bodyPr>
+          <a:lstStyle/>
+          <a:p>
+            <a:pPr lvl="0" rtl="0">
+              <a:spcBef>
+                <a:spcPts val="0"/>
+              </a:spcBef>
+              <a:buNone/>
+            </a:pPr>
+            <a:r>
+              <a:rPr lang="en" dirty="0" smtClean="0"/>
+              <a:t>How to Play</a:t>
+            </a:r>
+            <a:endParaRPr lang="en" dirty="0"/>
+          </a:p>
+        </p:txBody>
+      </p:sp>
+      <p:sp>
+        <p:nvSpPr>
+          <p:cNvPr id="6" name="Rectangle 5"/>
+          <p:cNvSpPr/>
+          <p:nvPr/>
+        </p:nvSpPr>
+        <p:spPr>
+          <a:xfrm rot="5400000">
+            <a:off x="11692023" y="556334"/>
+            <a:ext cx="1369286" cy="307777"/>
+          </a:xfrm>
+          <a:prstGeom prst="rect">
+            <a:avLst/>
+          </a:prstGeom>
+        </p:spPr>
+        <p:txBody>
+          <a:bodyPr wrap="none">
+            <a:spAutoFit/>
+          </a:bodyPr>
+          <a:lstStyle/>
+          <a:p>
+            <a:r>
+              <a:rPr lang="en-US" sz="1400" dirty="0"/>
+              <a:t>Slidehood.com</a:t>
+            </a:r>
+          </a:p>
+        </p:txBody>
+      </p:sp>
+    </p:spTree>
+    <p:extLst>
+      <p:ext uri="{BB962C8B-B14F-4D97-AF65-F5344CB8AC3E}">
+        <p14:creationId xmlns:p14="http://schemas.microsoft.com/office/powerpoint/2010/main" val="2183376712"/>
+      </p:ext>
+    </p:extLst>
+  </p:cSld>
+  <p:clrMapOvr>
+    <a:masterClrMapping/>
+  </p:clrMapOvr>
+  <p:transition spd="slow">
+    <p:push dir="u"/>
+  </p:transition>
+  <p:timing>
+    <p:tnLst>
+      <p:par>
+        <p:cTn id="1" dur="indefinite" restart="never" nodeType="tmRoot"/>
+      </p:par>
+    </p:tnLst>
+  </p:timing>
+</p:sld>
+</file>
+
+<file path=ppt/slides/slide8.xml><?xml version="1.0" encoding="utf-8"?>
+<p:sld xmlns:a="http://schemas.openxmlformats.org/drawingml/2006/main" xmlns:r="http://schemas.openxmlformats.org/officeDocument/2006/relationships" xmlns:p="http://schemas.openxmlformats.org/presentationml/2006/main">
+  <p:cSld>
+    <p:spTree>
+      <p:nvGrpSpPr>
+        <p:cNvPr id="1" name=""/>
+        <p:cNvGrpSpPr/>
+        <p:nvPr/>
+      </p:nvGrpSpPr>
+      <p:grpSpPr>
+        <a:xfrm>
+          <a:off x="0" y="0"/>
+          <a:ext cx="0" cy="0"/>
+          <a:chOff x="0" y="0"/>
+          <a:chExt cx="0" cy="0"/>
+        </a:xfrm>
+      </p:grpSpPr>
+      <p:sp>
+        <p:nvSpPr>
           <p:cNvPr id="6" name="Shape 165"/>
           <p:cNvSpPr txBox="1">
             <a:spLocks noGrp="1"/>
@@ -51335,7 +51436,7 @@
 </p:sld>
 </file>
 
-<file path=ppt/slides/slide8.xml><?xml version="1.0" encoding="utf-8"?>
+<file path=ppt/slides/slide9.xml><?xml version="1.0" encoding="utf-8"?>
 <p:sld xmlns:a="http://schemas.openxmlformats.org/drawingml/2006/main" xmlns:r="http://schemas.openxmlformats.org/officeDocument/2006/relationships" xmlns:p="http://schemas.openxmlformats.org/presentationml/2006/main">
   <p:cSld>
     <p:spTree>
